--- a/junk/stage.pptx
+++ b/junk/stage.pptx
@@ -7,6 +7,7 @@
   <p:sldIdLst>
     <p:sldId id="256" r:id="rId2"/>
     <p:sldId id="257" r:id="rId3"/>
+    <p:sldId id="258" r:id="rId4"/>
   </p:sldIdLst>
   <p:sldSz cx="12192000" cy="6858000"/>
   <p:notesSz cx="6858000" cy="9144000"/>
@@ -260,7 +261,7 @@
           <a:p>
             <a:fld id="{37207A8B-0000-4D20-A8A7-3FE7CFF1FD16}" type="datetimeFigureOut">
               <a:rPr lang="ko-KR" altLang="en-US" smtClean="0"/>
-              <a:t>2024-08-12</a:t>
+              <a:t>2024-08-18</a:t>
             </a:fld>
             <a:endParaRPr lang="ko-KR" altLang="en-US"/>
           </a:p>
@@ -458,7 +459,7 @@
           <a:p>
             <a:fld id="{37207A8B-0000-4D20-A8A7-3FE7CFF1FD16}" type="datetimeFigureOut">
               <a:rPr lang="ko-KR" altLang="en-US" smtClean="0"/>
-              <a:t>2024-08-12</a:t>
+              <a:t>2024-08-18</a:t>
             </a:fld>
             <a:endParaRPr lang="ko-KR" altLang="en-US"/>
           </a:p>
@@ -666,7 +667,7 @@
           <a:p>
             <a:fld id="{37207A8B-0000-4D20-A8A7-3FE7CFF1FD16}" type="datetimeFigureOut">
               <a:rPr lang="ko-KR" altLang="en-US" smtClean="0"/>
-              <a:t>2024-08-12</a:t>
+              <a:t>2024-08-18</a:t>
             </a:fld>
             <a:endParaRPr lang="ko-KR" altLang="en-US"/>
           </a:p>
@@ -864,7 +865,7 @@
           <a:p>
             <a:fld id="{37207A8B-0000-4D20-A8A7-3FE7CFF1FD16}" type="datetimeFigureOut">
               <a:rPr lang="ko-KR" altLang="en-US" smtClean="0"/>
-              <a:t>2024-08-12</a:t>
+              <a:t>2024-08-18</a:t>
             </a:fld>
             <a:endParaRPr lang="ko-KR" altLang="en-US"/>
           </a:p>
@@ -1139,7 +1140,7 @@
           <a:p>
             <a:fld id="{37207A8B-0000-4D20-A8A7-3FE7CFF1FD16}" type="datetimeFigureOut">
               <a:rPr lang="ko-KR" altLang="en-US" smtClean="0"/>
-              <a:t>2024-08-12</a:t>
+              <a:t>2024-08-18</a:t>
             </a:fld>
             <a:endParaRPr lang="ko-KR" altLang="en-US"/>
           </a:p>
@@ -1404,7 +1405,7 @@
           <a:p>
             <a:fld id="{37207A8B-0000-4D20-A8A7-3FE7CFF1FD16}" type="datetimeFigureOut">
               <a:rPr lang="ko-KR" altLang="en-US" smtClean="0"/>
-              <a:t>2024-08-12</a:t>
+              <a:t>2024-08-18</a:t>
             </a:fld>
             <a:endParaRPr lang="ko-KR" altLang="en-US"/>
           </a:p>
@@ -1816,7 +1817,7 @@
           <a:p>
             <a:fld id="{37207A8B-0000-4D20-A8A7-3FE7CFF1FD16}" type="datetimeFigureOut">
               <a:rPr lang="ko-KR" altLang="en-US" smtClean="0"/>
-              <a:t>2024-08-12</a:t>
+              <a:t>2024-08-18</a:t>
             </a:fld>
             <a:endParaRPr lang="ko-KR" altLang="en-US"/>
           </a:p>
@@ -1957,7 +1958,7 @@
           <a:p>
             <a:fld id="{37207A8B-0000-4D20-A8A7-3FE7CFF1FD16}" type="datetimeFigureOut">
               <a:rPr lang="ko-KR" altLang="en-US" smtClean="0"/>
-              <a:t>2024-08-12</a:t>
+              <a:t>2024-08-18</a:t>
             </a:fld>
             <a:endParaRPr lang="ko-KR" altLang="en-US"/>
           </a:p>
@@ -2070,7 +2071,7 @@
           <a:p>
             <a:fld id="{37207A8B-0000-4D20-A8A7-3FE7CFF1FD16}" type="datetimeFigureOut">
               <a:rPr lang="ko-KR" altLang="en-US" smtClean="0"/>
-              <a:t>2024-08-12</a:t>
+              <a:t>2024-08-18</a:t>
             </a:fld>
             <a:endParaRPr lang="ko-KR" altLang="en-US"/>
           </a:p>
@@ -2381,7 +2382,7 @@
           <a:p>
             <a:fld id="{37207A8B-0000-4D20-A8A7-3FE7CFF1FD16}" type="datetimeFigureOut">
               <a:rPr lang="ko-KR" altLang="en-US" smtClean="0"/>
-              <a:t>2024-08-12</a:t>
+              <a:t>2024-08-18</a:t>
             </a:fld>
             <a:endParaRPr lang="ko-KR" altLang="en-US"/>
           </a:p>
@@ -2669,7 +2670,7 @@
           <a:p>
             <a:fld id="{37207A8B-0000-4D20-A8A7-3FE7CFF1FD16}" type="datetimeFigureOut">
               <a:rPr lang="ko-KR" altLang="en-US" smtClean="0"/>
-              <a:t>2024-08-12</a:t>
+              <a:t>2024-08-18</a:t>
             </a:fld>
             <a:endParaRPr lang="ko-KR" altLang="en-US"/>
           </a:p>
@@ -2910,7 +2911,7 @@
           <a:p>
             <a:fld id="{37207A8B-0000-4D20-A8A7-3FE7CFF1FD16}" type="datetimeFigureOut">
               <a:rPr lang="ko-KR" altLang="en-US" smtClean="0"/>
-              <a:t>2024-08-12</a:t>
+              <a:t>2024-08-18</a:t>
             </a:fld>
             <a:endParaRPr lang="ko-KR" altLang="en-US"/>
           </a:p>
@@ -20027,6 +20028,94 @@
 </p:sld>
 </file>
 
+<file path=ppt/slides/slide3.xml><?xml version="1.0" encoding="utf-8"?>
+<p:sld xmlns:a="http://schemas.openxmlformats.org/drawingml/2006/main" xmlns:r="http://schemas.openxmlformats.org/officeDocument/2006/relationships" xmlns:p="http://schemas.openxmlformats.org/presentationml/2006/main">
+  <p:cSld>
+    <p:spTree>
+      <p:nvGrpSpPr>
+        <p:cNvPr id="1" name=""/>
+        <p:cNvGrpSpPr/>
+        <p:nvPr/>
+      </p:nvGrpSpPr>
+      <p:grpSpPr>
+        <a:xfrm>
+          <a:off x="0" y="0"/>
+          <a:ext cx="0" cy="0"/>
+          <a:chOff x="0" y="0"/>
+          <a:chExt cx="0" cy="0"/>
+        </a:xfrm>
+      </p:grpSpPr>
+      <p:sp>
+        <p:nvSpPr>
+          <p:cNvPr id="4" name="사각형: 둥근 모서리 3">
+            <a:extLst>
+              <a:ext uri="{FF2B5EF4-FFF2-40B4-BE49-F238E27FC236}">
+                <a16:creationId xmlns:a16="http://schemas.microsoft.com/office/drawing/2014/main" id="{A3E02855-6709-613E-91F4-030DF8BA8240}"/>
+              </a:ext>
+            </a:extLst>
+          </p:cNvPr>
+          <p:cNvSpPr/>
+          <p:nvPr/>
+        </p:nvSpPr>
+        <p:spPr>
+          <a:xfrm>
+            <a:off x="2170546" y="1408545"/>
+            <a:ext cx="7592291" cy="4535055"/>
+          </a:xfrm>
+          <a:prstGeom prst="roundRect">
+            <a:avLst>
+              <a:gd name="adj" fmla="val 6891"/>
+            </a:avLst>
+          </a:prstGeom>
+          <a:solidFill>
+            <a:schemeClr val="bg1"/>
+          </a:solidFill>
+          <a:ln w="57150">
+            <a:solidFill>
+              <a:schemeClr val="bg2">
+                <a:lumMod val="50000"/>
+              </a:schemeClr>
+            </a:solidFill>
+          </a:ln>
+        </p:spPr>
+        <p:style>
+          <a:lnRef idx="2">
+            <a:schemeClr val="dk1">
+              <a:shade val="15000"/>
+            </a:schemeClr>
+          </a:lnRef>
+          <a:fillRef idx="1">
+            <a:schemeClr val="dk1"/>
+          </a:fillRef>
+          <a:effectRef idx="0">
+            <a:schemeClr val="dk1"/>
+          </a:effectRef>
+          <a:fontRef idx="minor">
+            <a:schemeClr val="lt1"/>
+          </a:fontRef>
+        </p:style>
+        <p:txBody>
+          <a:bodyPr rtlCol="0" anchor="ctr"/>
+          <a:lstStyle/>
+          <a:p>
+            <a:pPr algn="ctr"/>
+            <a:endParaRPr lang="ko-KR" altLang="en-US"/>
+          </a:p>
+        </p:txBody>
+      </p:sp>
+    </p:spTree>
+    <p:extLst>
+      <p:ext uri="{BB962C8B-B14F-4D97-AF65-F5344CB8AC3E}">
+        <p14:creationId xmlns:p14="http://schemas.microsoft.com/office/powerpoint/2010/main" val="541471815"/>
+      </p:ext>
+    </p:extLst>
+  </p:cSld>
+  <p:clrMapOvr>
+    <a:masterClrMapping/>
+  </p:clrMapOvr>
+</p:sld>
+</file>
+
 <file path=ppt/theme/theme1.xml><?xml version="1.0" encoding="utf-8"?>
 <a:theme xmlns:a="http://schemas.openxmlformats.org/drawingml/2006/main" name="Office 테마">
   <a:themeElements>
